--- a/PPT/Tetrisz ppt.pptx
+++ b/PPT/Tetrisz ppt.pptx
@@ -15,6 +15,7 @@
     <p:sldId id="267" r:id="rId9"/>
     <p:sldId id="268" r:id="rId10"/>
     <p:sldId id="269" r:id="rId11"/>
+    <p:sldId id="270" r:id="rId12"/>
   </p:sldIdLst>
   <p:sldSz cx="12192000" cy="6858000"/>
   <p:notesSz cx="6858000" cy="9144000"/>
@@ -259,7 +260,7 @@
           <a:p>
             <a:fld id="{F5F1901C-D33B-4565-A7E4-5DF903098DB6}" type="datetimeFigureOut">
               <a:rPr lang="hu-HU" smtClean="0"/>
-              <a:t>2025. 03. 16.</a:t>
+              <a:t>2025. 03. 17.</a:t>
             </a:fld>
             <a:endParaRPr lang="hu-HU"/>
           </a:p>
@@ -430,7 +431,7 @@
           <a:p>
             <a:fld id="{F5F1901C-D33B-4565-A7E4-5DF903098DB6}" type="datetimeFigureOut">
               <a:rPr lang="hu-HU" smtClean="0"/>
-              <a:t>2025. 03. 16.</a:t>
+              <a:t>2025. 03. 17.</a:t>
             </a:fld>
             <a:endParaRPr lang="hu-HU"/>
           </a:p>
@@ -611,7 +612,7 @@
           <a:p>
             <a:fld id="{F5F1901C-D33B-4565-A7E4-5DF903098DB6}" type="datetimeFigureOut">
               <a:rPr lang="hu-HU" smtClean="0"/>
-              <a:t>2025. 03. 16.</a:t>
+              <a:t>2025. 03. 17.</a:t>
             </a:fld>
             <a:endParaRPr lang="hu-HU"/>
           </a:p>
@@ -782,7 +783,7 @@
           <a:p>
             <a:fld id="{F5F1901C-D33B-4565-A7E4-5DF903098DB6}" type="datetimeFigureOut">
               <a:rPr lang="hu-HU" smtClean="0"/>
-              <a:t>2025. 03. 16.</a:t>
+              <a:t>2025. 03. 17.</a:t>
             </a:fld>
             <a:endParaRPr lang="hu-HU"/>
           </a:p>
@@ -1030,7 +1031,7 @@
           <a:p>
             <a:fld id="{F5F1901C-D33B-4565-A7E4-5DF903098DB6}" type="datetimeFigureOut">
               <a:rPr lang="hu-HU" smtClean="0"/>
-              <a:t>2025. 03. 16.</a:t>
+              <a:t>2025. 03. 17.</a:t>
             </a:fld>
             <a:endParaRPr lang="hu-HU"/>
           </a:p>
@@ -1262,7 +1263,7 @@
           <a:p>
             <a:fld id="{F5F1901C-D33B-4565-A7E4-5DF903098DB6}" type="datetimeFigureOut">
               <a:rPr lang="hu-HU" smtClean="0"/>
-              <a:t>2025. 03. 16.</a:t>
+              <a:t>2025. 03. 17.</a:t>
             </a:fld>
             <a:endParaRPr lang="hu-HU"/>
           </a:p>
@@ -1629,7 +1630,7 @@
           <a:p>
             <a:fld id="{F5F1901C-D33B-4565-A7E4-5DF903098DB6}" type="datetimeFigureOut">
               <a:rPr lang="hu-HU" smtClean="0"/>
-              <a:t>2025. 03. 16.</a:t>
+              <a:t>2025. 03. 17.</a:t>
             </a:fld>
             <a:endParaRPr lang="hu-HU"/>
           </a:p>
@@ -1749,7 +1750,7 @@
           <a:p>
             <a:fld id="{F5F1901C-D33B-4565-A7E4-5DF903098DB6}" type="datetimeFigureOut">
               <a:rPr lang="hu-HU" smtClean="0"/>
-              <a:t>2025. 03. 16.</a:t>
+              <a:t>2025. 03. 17.</a:t>
             </a:fld>
             <a:endParaRPr lang="hu-HU"/>
           </a:p>
@@ -1847,7 +1848,7 @@
           <a:p>
             <a:fld id="{F5F1901C-D33B-4565-A7E4-5DF903098DB6}" type="datetimeFigureOut">
               <a:rPr lang="hu-HU" smtClean="0"/>
-              <a:t>2025. 03. 16.</a:t>
+              <a:t>2025. 03. 17.</a:t>
             </a:fld>
             <a:endParaRPr lang="hu-HU"/>
           </a:p>
@@ -2125,7 +2126,7 @@
           <a:p>
             <a:fld id="{F5F1901C-D33B-4565-A7E4-5DF903098DB6}" type="datetimeFigureOut">
               <a:rPr lang="hu-HU" smtClean="0"/>
-              <a:t>2025. 03. 16.</a:t>
+              <a:t>2025. 03. 17.</a:t>
             </a:fld>
             <a:endParaRPr lang="hu-HU"/>
           </a:p>
@@ -2380,7 +2381,7 @@
           <a:p>
             <a:fld id="{F5F1901C-D33B-4565-A7E4-5DF903098DB6}" type="datetimeFigureOut">
               <a:rPr lang="hu-HU" smtClean="0"/>
-              <a:t>2025. 03. 16.</a:t>
+              <a:t>2025. 03. 17.</a:t>
             </a:fld>
             <a:endParaRPr lang="hu-HU"/>
           </a:p>
@@ -2594,7 +2595,7 @@
           <a:p>
             <a:fld id="{F5F1901C-D33B-4565-A7E4-5DF903098DB6}" type="datetimeFigureOut">
               <a:rPr lang="hu-HU" smtClean="0"/>
-              <a:t>2025. 03. 16.</a:t>
+              <a:t>2025. 03. 17.</a:t>
             </a:fld>
             <a:endParaRPr lang="hu-HU"/>
           </a:p>
@@ -3279,7 +3280,7 @@
           <a:lstStyle/>
           <a:p>
             <a:pPr algn="ctr"/>
-            <a:endParaRPr lang="hu-HU"/>
+            <a:endParaRPr lang="hu-HU" dirty="0"/>
           </a:p>
         </p:txBody>
       </p:sp>
@@ -3301,22 +3302,62 @@
         </p:nvSpPr>
         <p:spPr>
           <a:xfrm>
-            <a:off x="838200" y="117245"/>
-            <a:ext cx="10515600" cy="1325563"/>
+            <a:off x="-209003" y="166255"/>
+            <a:ext cx="5232265" cy="1325563"/>
           </a:xfrm>
         </p:spPr>
         <p:txBody>
           <a:bodyPr/>
           <a:lstStyle/>
           <a:p>
-            <a:r>
-              <a:rPr lang="hu-HU" dirty="0" err="1">
+            <a:pPr algn="ctr"/>
+            <a:r>
+              <a:rPr lang="hu-HU" altLang="ko-KR" dirty="0" err="1">
                 <a:solidFill>
                   <a:schemeClr val="bg1"/>
                 </a:solidFill>
+                <a:latin typeface="Rockwell" panose="02060603020205020403" pitchFamily="18" charset="0"/>
+                <a:cs typeface="Arial" panose="020B0604020202020204" pitchFamily="34" charset="0"/>
               </a:rPr>
-              <a:t>Demo</a:t>
-            </a:r>
+              <a:t>Json</a:t>
+            </a:r>
+            <a:r>
+              <a:rPr lang="hu-HU" altLang="ko-KR" dirty="0">
+                <a:solidFill>
+                  <a:schemeClr val="bg1"/>
+                </a:solidFill>
+                <a:latin typeface="Rockwell" panose="02060603020205020403" pitchFamily="18" charset="0"/>
+                <a:cs typeface="Arial" panose="020B0604020202020204" pitchFamily="34" charset="0"/>
+              </a:rPr>
+              <a:t> </a:t>
+            </a:r>
+            <a:r>
+              <a:rPr lang="hu-HU" altLang="ko-KR" dirty="0" err="1">
+                <a:solidFill>
+                  <a:schemeClr val="bg1"/>
+                </a:solidFill>
+                <a:latin typeface="Rockwell" panose="02060603020205020403" pitchFamily="18" charset="0"/>
+                <a:cs typeface="Arial" panose="020B0604020202020204" pitchFamily="34" charset="0"/>
+              </a:rPr>
+              <a:t>scoreboard</a:t>
+            </a:r>
+            <a:r>
+              <a:rPr lang="hu-HU" altLang="ko-KR" dirty="0">
+                <a:solidFill>
+                  <a:schemeClr val="bg1"/>
+                </a:solidFill>
+                <a:latin typeface="Rockwell" panose="02060603020205020403" pitchFamily="18" charset="0"/>
+                <a:cs typeface="Arial" panose="020B0604020202020204" pitchFamily="34" charset="0"/>
+              </a:rPr>
+              <a:t> tárolás</a:t>
+            </a:r>
+            <a:endParaRPr lang="ko-KR" altLang="en-US" dirty="0">
+              <a:solidFill>
+                <a:schemeClr val="bg1"/>
+              </a:solidFill>
+              <a:latin typeface="Rockwell" panose="02060603020205020403" pitchFamily="18" charset="0"/>
+              <a:cs typeface="Arial" panose="020B0604020202020204" pitchFamily="34" charset="0"/>
+            </a:endParaRPr>
           </a:p>
         </p:txBody>
       </p:sp>
@@ -3374,10 +3415,385 @@
           </a:p>
         </p:txBody>
       </p:sp>
+      <p:sp>
+        <p:nvSpPr>
+          <p:cNvPr id="7" name="Szövegdoboz 6">
+            <a:extLst>
+              <a:ext uri="{FF2B5EF4-FFF2-40B4-BE49-F238E27FC236}">
+                <a16:creationId xmlns:a16="http://schemas.microsoft.com/office/drawing/2014/main" id="{7AEEB325-24C9-47F6-88B4-2A2DADDD7612}"/>
+              </a:ext>
+            </a:extLst>
+          </p:cNvPr>
+          <p:cNvSpPr txBox="1"/>
+          <p:nvPr/>
+        </p:nvSpPr>
+        <p:spPr>
+          <a:xfrm>
+            <a:off x="3513595" y="1009403"/>
+            <a:ext cx="5841617" cy="4401205"/>
+          </a:xfrm>
+          <a:prstGeom prst="rect">
+            <a:avLst/>
+          </a:prstGeom>
+          <a:noFill/>
+        </p:spPr>
+        <p:txBody>
+          <a:bodyPr wrap="square">
+            <a:spAutoFit/>
+          </a:bodyPr>
+          <a:lstStyle/>
+          <a:p>
+            <a:pPr marL="457200" indent="-457200">
+              <a:buFont typeface="Arial" panose="020B0604020202020204" pitchFamily="34" charset="0"/>
+              <a:buChar char="•"/>
+            </a:pPr>
+            <a:r>
+              <a:rPr lang="hu-HU" sz="4000" dirty="0">
+                <a:solidFill>
+                  <a:schemeClr val="bg1"/>
+                </a:solidFill>
+                <a:latin typeface="Rockwell" panose="02060603020205020403" pitchFamily="18" charset="0"/>
+              </a:rPr>
+              <a:t>Kilépés után is megmaradó pontszámok</a:t>
+            </a:r>
+          </a:p>
+          <a:p>
+            <a:pPr marL="457200" indent="-457200">
+              <a:buFont typeface="Arial" panose="020B0604020202020204" pitchFamily="34" charset="0"/>
+              <a:buChar char="•"/>
+            </a:pPr>
+            <a:r>
+              <a:rPr lang="hu-HU" sz="4000" dirty="0">
+                <a:solidFill>
+                  <a:schemeClr val="bg1"/>
+                </a:solidFill>
+                <a:latin typeface="Rockwell" panose="02060603020205020403" pitchFamily="18" charset="0"/>
+              </a:rPr>
+              <a:t>Tárolt adatok: dátum, játékidő, pontszám</a:t>
+            </a:r>
+          </a:p>
+          <a:p>
+            <a:pPr marL="457200" indent="-457200">
+              <a:buFont typeface="Arial" panose="020B0604020202020204" pitchFamily="34" charset="0"/>
+              <a:buChar char="•"/>
+            </a:pPr>
+            <a:r>
+              <a:rPr lang="hu-HU" sz="4000" dirty="0">
+                <a:solidFill>
+                  <a:schemeClr val="bg1"/>
+                </a:solidFill>
+                <a:latin typeface="Rockwell" panose="02060603020205020403" pitchFamily="18" charset="0"/>
+              </a:rPr>
+              <a:t>Betöltés és kiírás a UI felületen</a:t>
+            </a:r>
+          </a:p>
+        </p:txBody>
+      </p:sp>
+      <p:pic>
+        <p:nvPicPr>
+          <p:cNvPr id="9" name="Ábra 8">
+            <a:extLst>
+              <a:ext uri="{FF2B5EF4-FFF2-40B4-BE49-F238E27FC236}">
+                <a16:creationId xmlns:a16="http://schemas.microsoft.com/office/drawing/2014/main" id="{71403357-F74E-40D4-ADCF-46AAF673A877}"/>
+              </a:ext>
+            </a:extLst>
+          </p:cNvPr>
+          <p:cNvPicPr>
+            <a:picLocks noChangeAspect="1"/>
+          </p:cNvPicPr>
+          <p:nvPr/>
+        </p:nvPicPr>
+        <p:blipFill>
+          <a:blip r:embed="rId3">
+            <a:extLst>
+              <a:ext uri="{28A0092B-C50C-407E-A947-70E740481C1C}">
+                <a14:useLocalDpi xmlns:a14="http://schemas.microsoft.com/office/drawing/2010/main" val="0"/>
+              </a:ext>
+              <a:ext uri="{96DAC541-7B7A-43D3-8B79-37D633B846F1}">
+                <asvg:svgBlip xmlns:asvg="http://schemas.microsoft.com/office/drawing/2016/SVG/main" r:embed="rId4"/>
+              </a:ext>
+            </a:extLst>
+          </a:blip>
+          <a:stretch>
+            <a:fillRect/>
+          </a:stretch>
+        </p:blipFill>
+        <p:spPr>
+          <a:xfrm>
+            <a:off x="1033762" y="2765587"/>
+            <a:ext cx="1578428" cy="1578428"/>
+          </a:xfrm>
+          <a:prstGeom prst="rect">
+            <a:avLst/>
+          </a:prstGeom>
+        </p:spPr>
+      </p:pic>
     </p:spTree>
     <p:extLst>
       <p:ext uri="{BB962C8B-B14F-4D97-AF65-F5344CB8AC3E}">
         <p14:creationId xmlns:p14="http://schemas.microsoft.com/office/powerpoint/2010/main" val="3511629416"/>
+      </p:ext>
+    </p:extLst>
+  </p:cSld>
+  <p:clrMapOvr>
+    <a:masterClrMapping/>
+  </p:clrMapOvr>
+  <p:transition spd="slow">
+    <p:push dir="u"/>
+  </p:transition>
+</p:sld>
+</file>
+
+<file path=ppt/slides/slide11.xml><?xml version="1.0" encoding="utf-8"?>
+<p:sld xmlns:a="http://schemas.openxmlformats.org/drawingml/2006/main" xmlns:r="http://schemas.openxmlformats.org/officeDocument/2006/relationships" xmlns:p="http://schemas.openxmlformats.org/presentationml/2006/main">
+  <p:cSld>
+    <p:bg>
+      <p:bgPr>
+        <a:solidFill>
+          <a:schemeClr val="tx1"/>
+        </a:solidFill>
+        <a:effectLst/>
+      </p:bgPr>
+    </p:bg>
+    <p:spTree>
+      <p:nvGrpSpPr>
+        <p:cNvPr id="1" name="">
+          <a:extLst>
+            <a:ext uri="{FF2B5EF4-FFF2-40B4-BE49-F238E27FC236}">
+              <a16:creationId xmlns:a16="http://schemas.microsoft.com/office/drawing/2014/main" id="{9FBE0795-8638-49CB-BDE4-E121D9BC5FA4}"/>
+            </a:ext>
+          </a:extLst>
+        </p:cNvPr>
+        <p:cNvGrpSpPr/>
+        <p:nvPr/>
+      </p:nvGrpSpPr>
+      <p:grpSpPr>
+        <a:xfrm>
+          <a:off x="0" y="0"/>
+          <a:ext cx="0" cy="0"/>
+          <a:chOff x="0" y="0"/>
+          <a:chExt cx="0" cy="0"/>
+        </a:xfrm>
+      </p:grpSpPr>
+      <p:pic>
+        <p:nvPicPr>
+          <p:cNvPr id="18" name="Kép 17" descr="A képen Színesség, képernyőkép, pixel, művészet látható&#10;&#10;Lehet, hogy a mesterséges intelligencia által generált tartalom helytelen.">
+            <a:extLst>
+              <a:ext uri="{FF2B5EF4-FFF2-40B4-BE49-F238E27FC236}">
+                <a16:creationId xmlns:a16="http://schemas.microsoft.com/office/drawing/2014/main" id="{D57AFFE2-99A9-CBD4-90A8-FB24B8301061}"/>
+              </a:ext>
+            </a:extLst>
+          </p:cNvPr>
+          <p:cNvPicPr>
+            <a:picLocks noChangeAspect="1"/>
+          </p:cNvPicPr>
+          <p:nvPr/>
+        </p:nvPicPr>
+        <p:blipFill>
+          <a:blip r:embed="rId2"/>
+          <a:stretch>
+            <a:fillRect/>
+          </a:stretch>
+        </p:blipFill>
+        <p:spPr>
+          <a:xfrm>
+            <a:off x="9130940" y="-1"/>
+            <a:ext cx="3064940" cy="6858000"/>
+          </a:xfrm>
+          <a:prstGeom prst="rect">
+            <a:avLst/>
+          </a:prstGeom>
+        </p:spPr>
+      </p:pic>
+      <p:pic>
+        <p:nvPicPr>
+          <p:cNvPr id="17" name="Kép 16" descr="A képen Színesség, képernyőkép, pixel, művészet látható&#10;&#10;Lehet, hogy a mesterséges intelligencia által generált tartalom helytelen.">
+            <a:extLst>
+              <a:ext uri="{FF2B5EF4-FFF2-40B4-BE49-F238E27FC236}">
+                <a16:creationId xmlns:a16="http://schemas.microsoft.com/office/drawing/2014/main" id="{A19CCF95-7D62-4BEB-28C4-9CE9FFB8525B}"/>
+              </a:ext>
+            </a:extLst>
+          </p:cNvPr>
+          <p:cNvPicPr>
+            <a:picLocks noChangeAspect="1"/>
+          </p:cNvPicPr>
+          <p:nvPr/>
+        </p:nvPicPr>
+        <p:blipFill>
+          <a:blip r:embed="rId2"/>
+          <a:stretch>
+            <a:fillRect/>
+          </a:stretch>
+        </p:blipFill>
+        <p:spPr>
+          <a:xfrm>
+            <a:off x="-3879" y="0"/>
+            <a:ext cx="3064940" cy="6858000"/>
+          </a:xfrm>
+          <a:prstGeom prst="rect">
+            <a:avLst/>
+          </a:prstGeom>
+        </p:spPr>
+      </p:pic>
+      <p:sp>
+        <p:nvSpPr>
+          <p:cNvPr id="20" name="Téglalap 19">
+            <a:extLst>
+              <a:ext uri="{FF2B5EF4-FFF2-40B4-BE49-F238E27FC236}">
+                <a16:creationId xmlns:a16="http://schemas.microsoft.com/office/drawing/2014/main" id="{CEC5684C-6381-2F9D-824A-01C2E55DD521}"/>
+              </a:ext>
+            </a:extLst>
+          </p:cNvPr>
+          <p:cNvSpPr/>
+          <p:nvPr/>
+        </p:nvSpPr>
+        <p:spPr>
+          <a:xfrm>
+            <a:off x="0" y="-1259"/>
+            <a:ext cx="3287956" cy="6859258"/>
+          </a:xfrm>
+          <a:prstGeom prst="rect">
+            <a:avLst/>
+          </a:prstGeom>
+          <a:solidFill>
+            <a:srgbClr val="000000">
+              <a:alpha val="56000"/>
+            </a:srgbClr>
+          </a:solidFill>
+          <a:ln>
+            <a:noFill/>
+          </a:ln>
+        </p:spPr>
+        <p:style>
+          <a:lnRef idx="2">
+            <a:schemeClr val="accent1">
+              <a:shade val="15000"/>
+            </a:schemeClr>
+          </a:lnRef>
+          <a:fillRef idx="1">
+            <a:schemeClr val="accent1"/>
+          </a:fillRef>
+          <a:effectRef idx="0">
+            <a:schemeClr val="accent1"/>
+          </a:effectRef>
+          <a:fontRef idx="minor">
+            <a:schemeClr val="lt1"/>
+          </a:fontRef>
+        </p:style>
+        <p:txBody>
+          <a:bodyPr rtlCol="0" anchor="ctr"/>
+          <a:lstStyle/>
+          <a:p>
+            <a:pPr algn="ctr"/>
+            <a:endParaRPr lang="hu-HU" dirty="0"/>
+          </a:p>
+        </p:txBody>
+      </p:sp>
+      <p:sp>
+        <p:nvSpPr>
+          <p:cNvPr id="2" name="Cím 1">
+            <a:extLst>
+              <a:ext uri="{FF2B5EF4-FFF2-40B4-BE49-F238E27FC236}">
+                <a16:creationId xmlns:a16="http://schemas.microsoft.com/office/drawing/2014/main" id="{C2C474EA-F9E4-0530-1DBE-18BC8A911335}"/>
+              </a:ext>
+            </a:extLst>
+          </p:cNvPr>
+          <p:cNvSpPr>
+            <a:spLocks noGrp="1"/>
+          </p:cNvSpPr>
+          <p:nvPr>
+            <p:ph type="title"/>
+          </p:nvPr>
+        </p:nvSpPr>
+        <p:spPr>
+          <a:xfrm>
+            <a:off x="3366420" y="2765587"/>
+            <a:ext cx="5761897" cy="1325563"/>
+          </a:xfrm>
+        </p:spPr>
+        <p:txBody>
+          <a:bodyPr>
+            <a:noAutofit/>
+          </a:bodyPr>
+          <a:lstStyle/>
+          <a:p>
+            <a:pPr algn="ctr"/>
+            <a:r>
+              <a:rPr lang="hu-HU" altLang="ko-KR" sz="7200" dirty="0">
+                <a:solidFill>
+                  <a:schemeClr val="bg1"/>
+                </a:solidFill>
+                <a:latin typeface="Rockwell" panose="02060603020205020403" pitchFamily="18" charset="0"/>
+              </a:rPr>
+              <a:t>Következzen a játék bemutató</a:t>
+            </a:r>
+            <a:endParaRPr lang="en-US" altLang="ko-KR" sz="7200" dirty="0">
+              <a:solidFill>
+                <a:schemeClr val="bg1"/>
+              </a:solidFill>
+              <a:latin typeface="Rockwell" panose="02060603020205020403" pitchFamily="18" charset="0"/>
+            </a:endParaRPr>
+          </a:p>
+        </p:txBody>
+      </p:sp>
+      <p:sp>
+        <p:nvSpPr>
+          <p:cNvPr id="22" name="Téglalap 21">
+            <a:extLst>
+              <a:ext uri="{FF2B5EF4-FFF2-40B4-BE49-F238E27FC236}">
+                <a16:creationId xmlns:a16="http://schemas.microsoft.com/office/drawing/2014/main" id="{015C788A-92EB-841A-CD14-BB35F5FDB4D0}"/>
+              </a:ext>
+            </a:extLst>
+          </p:cNvPr>
+          <p:cNvSpPr/>
+          <p:nvPr/>
+        </p:nvSpPr>
+        <p:spPr>
+          <a:xfrm>
+            <a:off x="8905301" y="-1260"/>
+            <a:ext cx="3287956" cy="6859258"/>
+          </a:xfrm>
+          <a:prstGeom prst="rect">
+            <a:avLst/>
+          </a:prstGeom>
+          <a:solidFill>
+            <a:srgbClr val="000000">
+              <a:alpha val="56000"/>
+            </a:srgbClr>
+          </a:solidFill>
+          <a:ln>
+            <a:noFill/>
+          </a:ln>
+        </p:spPr>
+        <p:style>
+          <a:lnRef idx="2">
+            <a:schemeClr val="accent1">
+              <a:shade val="15000"/>
+            </a:schemeClr>
+          </a:lnRef>
+          <a:fillRef idx="1">
+            <a:schemeClr val="accent1"/>
+          </a:fillRef>
+          <a:effectRef idx="0">
+            <a:schemeClr val="accent1"/>
+          </a:effectRef>
+          <a:fontRef idx="minor">
+            <a:schemeClr val="lt1"/>
+          </a:fontRef>
+        </p:style>
+        <p:txBody>
+          <a:bodyPr rtlCol="0" anchor="ctr"/>
+          <a:lstStyle/>
+          <a:p>
+            <a:pPr algn="ctr"/>
+            <a:endParaRPr lang="hu-HU"/>
+          </a:p>
+        </p:txBody>
+      </p:sp>
+    </p:spTree>
+    <p:extLst>
+      <p:ext uri="{BB962C8B-B14F-4D97-AF65-F5344CB8AC3E}">
+        <p14:creationId xmlns:p14="http://schemas.microsoft.com/office/powerpoint/2010/main" val="899232155"/>
       </p:ext>
     </p:extLst>
   </p:cSld>
@@ -3822,7 +4238,7 @@
         </p:nvSpPr>
         <p:spPr>
           <a:xfrm>
-            <a:off x="838200" y="117245"/>
+            <a:off x="724753" y="96658"/>
             <a:ext cx="10515600" cy="1325563"/>
           </a:xfrm>
         </p:spPr>
@@ -3830,6 +4246,7 @@
           <a:bodyPr/>
           <a:lstStyle/>
           <a:p>
+            <a:pPr algn="ctr"/>
             <a:r>
               <a:rPr lang="hu-HU" dirty="0">
                 <a:solidFill>
@@ -3856,7 +4273,7 @@
         <p:spPr>
           <a:xfrm>
             <a:off x="4634630" y="1753644"/>
-            <a:ext cx="3183698" cy="3170099"/>
+            <a:ext cx="3183698" cy="1938992"/>
           </a:xfrm>
           <a:prstGeom prst="rect">
             <a:avLst/>
@@ -3874,7 +4291,7 @@
           <a:p>
             <a:pPr algn="l"/>
             <a:r>
-              <a:rPr lang="hu-HU" sz="4000" err="1">
+              <a:rPr lang="hu-HU" sz="4000" dirty="0" err="1">
                 <a:solidFill>
                   <a:schemeClr val="bg1"/>
                 </a:solidFill>
@@ -3882,20 +4299,10 @@
               </a:rPr>
               <a:t>Discord</a:t>
             </a:r>
-            <a:endParaRPr lang="hu-HU" sz="4000">
+            <a:endParaRPr lang="hu-HU" sz="4000" dirty="0">
               <a:solidFill>
                 <a:schemeClr val="bg1"/>
               </a:solidFill>
-              <a:latin typeface="Rockwell"/>
-            </a:endParaRPr>
-          </a:p>
-          <a:p>
-            <a:endParaRPr lang="hu-HU" sz="4000" dirty="0">
-              <a:latin typeface="Rockwell"/>
-            </a:endParaRPr>
-          </a:p>
-          <a:p>
-            <a:endParaRPr lang="hu-HU" sz="4000" dirty="0">
               <a:latin typeface="Rockwell"/>
             </a:endParaRPr>
           </a:p>
@@ -3914,7 +4321,7 @@
               </a:rPr>
               <a:t>Messenger</a:t>
             </a:r>
-            <a:endParaRPr lang="hu-HU">
+            <a:endParaRPr lang="hu-HU" dirty="0">
               <a:solidFill>
                 <a:schemeClr val="bg1"/>
               </a:solidFill>
@@ -3944,7 +4351,7 @@
         </p:blipFill>
         <p:spPr>
           <a:xfrm>
-            <a:off x="996109" y="3764096"/>
+            <a:off x="996108" y="3091704"/>
             <a:ext cx="1799422" cy="1799422"/>
           </a:xfrm>
           <a:prstGeom prst="rect">
@@ -3974,7 +4381,7 @@
         </p:blipFill>
         <p:spPr>
           <a:xfrm>
-            <a:off x="840953" y="1267859"/>
+            <a:off x="836364" y="759439"/>
             <a:ext cx="2118911" cy="2164814"/>
           </a:xfrm>
           <a:prstGeom prst="rect">
@@ -4199,40 +4606,6 @@
       </p:sp>
       <p:sp>
         <p:nvSpPr>
-          <p:cNvPr id="2" name="Cím 1">
-            <a:extLst>
-              <a:ext uri="{FF2B5EF4-FFF2-40B4-BE49-F238E27FC236}">
-                <a16:creationId xmlns:a16="http://schemas.microsoft.com/office/drawing/2014/main" id="{5D143D95-9A69-A1A7-9F44-BC49EC571DA3}"/>
-              </a:ext>
-            </a:extLst>
-          </p:cNvPr>
-          <p:cNvSpPr>
-            <a:spLocks noGrp="1"/>
-          </p:cNvSpPr>
-          <p:nvPr>
-            <p:ph type="title"/>
-          </p:nvPr>
-        </p:nvSpPr>
-        <p:spPr>
-          <a:xfrm>
-            <a:off x="838200" y="117245"/>
-            <a:ext cx="10515600" cy="1325563"/>
-          </a:xfrm>
-        </p:spPr>
-        <p:txBody>
-          <a:bodyPr/>
-          <a:lstStyle/>
-          <a:p>
-            <a:endParaRPr lang="hu-HU" dirty="0">
-              <a:solidFill>
-                <a:schemeClr val="bg1"/>
-              </a:solidFill>
-            </a:endParaRPr>
-          </a:p>
-        </p:txBody>
-      </p:sp>
-      <p:sp>
-        <p:nvSpPr>
           <p:cNvPr id="5" name="Szövegdoboz 4">
             <a:extLst>
               <a:ext uri="{FF2B5EF4-FFF2-40B4-BE49-F238E27FC236}">
@@ -4245,8 +4618,8 @@
         </p:nvSpPr>
         <p:spPr>
           <a:xfrm>
-            <a:off x="3283350" y="1713004"/>
-            <a:ext cx="5611938" cy="4411365"/>
+            <a:off x="3286700" y="1442808"/>
+            <a:ext cx="5611938" cy="4524315"/>
           </a:xfrm>
           <a:prstGeom prst="rect">
             <a:avLst/>
@@ -4262,77 +4635,76 @@
           </a:bodyPr>
           <a:lstStyle/>
           <a:p>
-            <a:r>
-              <a:rPr lang="hu-HU" sz="4000" dirty="0">
+            <a:pPr marL="457200" indent="-457200">
+              <a:buFont typeface="Arial" panose="020B0604020202020204" pitchFamily="34" charset="0"/>
+              <a:buChar char="•"/>
+            </a:pPr>
+            <a:r>
+              <a:rPr lang="hu-HU" sz="3600" dirty="0">
                 <a:solidFill>
                   <a:schemeClr val="bg1"/>
                 </a:solidFill>
-                <a:latin typeface="Rockwell"/>
               </a:rPr>
-              <a:t>Logikai</a:t>
-            </a:r>
-            <a:endParaRPr lang="hu-HU" dirty="0">
-              <a:solidFill>
-                <a:schemeClr val="bg1"/>
-              </a:solidFill>
-              <a:latin typeface="Aptos" panose="020B0004020202020204"/>
-            </a:endParaRPr>
-          </a:p>
-          <a:p>
-            <a:pPr algn="l"/>
-            <a:endParaRPr lang="hu-HU" sz="4000" dirty="0">
-              <a:solidFill>
-                <a:schemeClr val="bg1"/>
-              </a:solidFill>
-              <a:latin typeface="Rockwell"/>
-            </a:endParaRPr>
-          </a:p>
-          <a:p>
-            <a:r>
-              <a:rPr lang="hu-HU" sz="4000" dirty="0">
+              <a:t>A </a:t>
+            </a:r>
+            <a:r>
+              <a:rPr lang="hu-HU" sz="3600" dirty="0" err="1">
                 <a:solidFill>
                   <a:schemeClr val="bg1"/>
                 </a:solidFill>
-                <a:latin typeface="Rockwell"/>
               </a:rPr>
-              <a:t>Reflex</a:t>
-            </a:r>
-          </a:p>
-          <a:p>
-            <a:endParaRPr lang="hu-HU" sz="4000" dirty="0">
-              <a:solidFill>
-                <a:schemeClr val="bg1"/>
-              </a:solidFill>
-              <a:latin typeface="Rockwell"/>
-            </a:endParaRPr>
-          </a:p>
-          <a:p>
-            <a:r>
-              <a:rPr lang="hu-HU" sz="4000" dirty="0">
+              <a:t>Tetris</a:t>
+            </a:r>
+            <a:r>
+              <a:rPr lang="hu-HU" sz="3600" dirty="0">
                 <a:solidFill>
                   <a:schemeClr val="bg1"/>
                 </a:solidFill>
-                <a:latin typeface="Rockwell"/>
               </a:rPr>
-              <a:t>Cél:</a:t>
-            </a:r>
-          </a:p>
-          <a:p>
-            <a:pPr algn="ctr"/>
-            <a:r>
-              <a:rPr lang="hu-HU" sz="4000" dirty="0">
-                <a:solidFill>
-                  <a:schemeClr val="bg1"/>
-                </a:solidFill>
-                <a:latin typeface="Rockwell"/>
-              </a:rPr>
-              <a:t>Elérni a legnagyobb pontszámot</a:t>
-            </a:r>
-            <a:endParaRPr lang="hu-HU">
+              <a:t> egy klasszikus puzzle játék</a:t>
+            </a:r>
+          </a:p>
+          <a:p>
+            <a:endParaRPr lang="hu-HU" sz="3600" dirty="0">
               <a:solidFill>
                 <a:schemeClr val="bg1"/>
               </a:solidFill>
             </a:endParaRPr>
+          </a:p>
+          <a:p>
+            <a:pPr marL="457200" indent="-457200">
+              <a:buFont typeface="Arial" panose="020B0604020202020204" pitchFamily="34" charset="0"/>
+              <a:buChar char="•"/>
+            </a:pPr>
+            <a:r>
+              <a:rPr lang="hu-HU" sz="3600" dirty="0">
+                <a:solidFill>
+                  <a:schemeClr val="bg1"/>
+                </a:solidFill>
+              </a:rPr>
+              <a:t>Cél: sorok kitöltése különböző alakzatokkal</a:t>
+            </a:r>
+          </a:p>
+          <a:p>
+            <a:endParaRPr lang="hu-HU" sz="3600" dirty="0">
+              <a:solidFill>
+                <a:schemeClr val="bg1"/>
+              </a:solidFill>
+            </a:endParaRPr>
+          </a:p>
+          <a:p>
+            <a:pPr marL="457200" indent="-457200">
+              <a:buFont typeface="Arial" panose="020B0604020202020204" pitchFamily="34" charset="0"/>
+              <a:buChar char="•"/>
+            </a:pPr>
+            <a:r>
+              <a:rPr lang="hu-HU" sz="3600" dirty="0">
+                <a:solidFill>
+                  <a:schemeClr val="bg1"/>
+                </a:solidFill>
+              </a:rPr>
+              <a:t>A játékos pontokat szerez a kitöltött sorok után</a:t>
+            </a:r>
           </a:p>
         </p:txBody>
       </p:sp>
@@ -4390,36 +4762,6 @@
           </a:p>
         </p:txBody>
       </p:sp>
-      <p:pic>
-        <p:nvPicPr>
-          <p:cNvPr id="4" name="Kép 3" descr="Fájl:Tetris logo.png – Wikipédia">
-            <a:extLst>
-              <a:ext uri="{FF2B5EF4-FFF2-40B4-BE49-F238E27FC236}">
-                <a16:creationId xmlns:a16="http://schemas.microsoft.com/office/drawing/2014/main" id="{E2894E89-D339-E5ED-F494-70A32D939E32}"/>
-              </a:ext>
-            </a:extLst>
-          </p:cNvPr>
-          <p:cNvPicPr>
-            <a:picLocks noChangeAspect="1"/>
-          </p:cNvPicPr>
-          <p:nvPr/>
-        </p:nvPicPr>
-        <p:blipFill>
-          <a:blip r:embed="rId3"/>
-          <a:stretch>
-            <a:fillRect/>
-          </a:stretch>
-        </p:blipFill>
-        <p:spPr>
-          <a:xfrm>
-            <a:off x="274320" y="2009750"/>
-            <a:ext cx="2743199" cy="1903780"/>
-          </a:xfrm>
-          <a:prstGeom prst="rect">
-            <a:avLst/>
-          </a:prstGeom>
-        </p:spPr>
-      </p:pic>
     </p:spTree>
     <p:extLst>
       <p:ext uri="{BB962C8B-B14F-4D97-AF65-F5344CB8AC3E}">
@@ -4433,92 +4775,6 @@
   <p:transition spd="slow">
     <p:push dir="u"/>
   </p:transition>
-  <p:timing>
-    <p:tnLst>
-      <p:par>
-        <p:cTn id="1" dur="indefinite" restart="never" nodeType="tmRoot">
-          <p:childTnLst>
-            <p:seq concurrent="1" nextAc="seek">
-              <p:cTn id="2" dur="indefinite" nodeType="mainSeq">
-                <p:childTnLst>
-                  <p:par>
-                    <p:cTn id="3" fill="hold">
-                      <p:stCondLst>
-                        <p:cond delay="indefinite"/>
-                      </p:stCondLst>
-                      <p:childTnLst>
-                        <p:par>
-                          <p:cTn id="4" fill="hold">
-                            <p:stCondLst>
-                              <p:cond delay="0"/>
-                            </p:stCondLst>
-                            <p:childTnLst>
-                              <p:par>
-                                <p:cTn id="5" presetID="10" presetClass="exit" presetSubtype="0" fill="hold" grpId="0" nodeType="clickEffect">
-                                  <p:stCondLst>
-                                    <p:cond delay="0"/>
-                                  </p:stCondLst>
-                                  <p:childTnLst>
-                                    <p:animEffect transition="out" filter="fade">
-                                      <p:cBhvr>
-                                        <p:cTn id="6" dur="500"/>
-                                        <p:tgtEl>
-                                          <p:spTgt spid="5"/>
-                                        </p:tgtEl>
-                                      </p:cBhvr>
-                                    </p:animEffect>
-                                    <p:set>
-                                      <p:cBhvr>
-                                        <p:cTn id="7" dur="1" fill="hold">
-                                          <p:stCondLst>
-                                            <p:cond delay="499"/>
-                                          </p:stCondLst>
-                                        </p:cTn>
-                                        <p:tgtEl>
-                                          <p:spTgt spid="5"/>
-                                        </p:tgtEl>
-                                        <p:attrNameLst>
-                                          <p:attrName>style.visibility</p:attrName>
-                                        </p:attrNameLst>
-                                      </p:cBhvr>
-                                      <p:to>
-                                        <p:strVal val="hidden"/>
-                                      </p:to>
-                                    </p:set>
-                                  </p:childTnLst>
-                                </p:cTn>
-                              </p:par>
-                            </p:childTnLst>
-                          </p:cTn>
-                        </p:par>
-                      </p:childTnLst>
-                    </p:cTn>
-                  </p:par>
-                </p:childTnLst>
-              </p:cTn>
-              <p:prevCondLst>
-                <p:cond evt="onPrev" delay="0">
-                  <p:tgtEl>
-                    <p:sldTgt/>
-                  </p:tgtEl>
-                </p:cond>
-              </p:prevCondLst>
-              <p:nextCondLst>
-                <p:cond evt="onNext" delay="0">
-                  <p:tgtEl>
-                    <p:sldTgt/>
-                  </p:tgtEl>
-                </p:cond>
-              </p:nextCondLst>
-            </p:seq>
-          </p:childTnLst>
-        </p:cTn>
-      </p:par>
-    </p:tnLst>
-    <p:bldLst>
-      <p:bldP spid="5" grpId="0"/>
-    </p:bldLst>
-  </p:timing>
 </p:sld>
 </file>
 
@@ -4685,19 +4941,24 @@
         </p:nvSpPr>
         <p:spPr>
           <a:xfrm>
-            <a:off x="838200" y="117245"/>
-            <a:ext cx="10515600" cy="1325563"/>
+            <a:off x="1" y="46241"/>
+            <a:ext cx="3170712" cy="1325563"/>
           </a:xfrm>
         </p:spPr>
         <p:txBody>
           <a:bodyPr/>
           <a:lstStyle/>
           <a:p>
-            <a:endParaRPr lang="hu-HU" dirty="0">
-              <a:solidFill>
-                <a:schemeClr val="bg1"/>
-              </a:solidFill>
-            </a:endParaRPr>
+            <a:pPr algn="ctr"/>
+            <a:r>
+              <a:rPr lang="hu-HU" dirty="0">
+                <a:solidFill>
+                  <a:schemeClr val="bg1"/>
+                </a:solidFill>
+                <a:latin typeface="Rockwell" panose="02060603020205020403" pitchFamily="18" charset="0"/>
+              </a:rPr>
+              <a:t>Használt eszközök</a:t>
+            </a:r>
           </a:p>
         </p:txBody>
       </p:sp>
@@ -4715,8 +4976,8 @@
         </p:nvSpPr>
         <p:spPr>
           <a:xfrm>
-            <a:off x="3283350" y="1713004"/>
-            <a:ext cx="5611938" cy="1323439"/>
+            <a:off x="3290740" y="160134"/>
+            <a:ext cx="5611938" cy="6247864"/>
           </a:xfrm>
           <a:prstGeom prst="rect">
             <a:avLst/>
@@ -4732,25 +4993,117 @@
           </a:bodyPr>
           <a:lstStyle/>
           <a:p>
+            <a:pPr marL="742950" indent="-742950">
+              <a:buFont typeface="Arial" panose="020B0604020202020204" pitchFamily="34" charset="0"/>
+              <a:buChar char="•"/>
+            </a:pPr>
             <a:r>
               <a:rPr lang="hu-HU" sz="4000" dirty="0">
                 <a:solidFill>
                   <a:schemeClr val="bg1"/>
                 </a:solidFill>
-                <a:latin typeface="Rockwell"/>
+                <a:latin typeface="Rockwell" panose="02060603020205020403" pitchFamily="18" charset="0"/>
               </a:rPr>
-              <a:t>Funkció: </a:t>
-            </a:r>
-          </a:p>
-          <a:p>
+              <a:t>Visual </a:t>
+            </a:r>
+            <a:r>
+              <a:rPr lang="hu-HU" sz="4000" dirty="0" err="1">
+                <a:solidFill>
+                  <a:schemeClr val="bg1"/>
+                </a:solidFill>
+                <a:latin typeface="Rockwell" panose="02060603020205020403" pitchFamily="18" charset="0"/>
+              </a:rPr>
+              <a:t>Studio</a:t>
+            </a:r>
             <a:r>
               <a:rPr lang="hu-HU" sz="4000" dirty="0">
                 <a:solidFill>
                   <a:schemeClr val="bg1"/>
                 </a:solidFill>
-                <a:latin typeface="Rockwell"/>
+                <a:latin typeface="Rockwell" panose="02060603020205020403" pitchFamily="18" charset="0"/>
               </a:rPr>
-              <a:t>pontszámok elmentése</a:t>
+              <a:t> 2022</a:t>
+            </a:r>
+          </a:p>
+          <a:p>
+            <a:pPr marL="742950" indent="-742950">
+              <a:buFont typeface="Arial" panose="020B0604020202020204" pitchFamily="34" charset="0"/>
+              <a:buChar char="•"/>
+            </a:pPr>
+            <a:endParaRPr lang="hu-HU" sz="4000" dirty="0">
+              <a:solidFill>
+                <a:schemeClr val="bg1"/>
+              </a:solidFill>
+              <a:latin typeface="Rockwell" panose="02060603020205020403" pitchFamily="18" charset="0"/>
+            </a:endParaRPr>
+          </a:p>
+          <a:p>
+            <a:pPr marL="742950" indent="-742950">
+              <a:buFont typeface="Arial" panose="020B0604020202020204" pitchFamily="34" charset="0"/>
+              <a:buChar char="•"/>
+            </a:pPr>
+            <a:r>
+              <a:rPr lang="hu-HU" sz="4000" dirty="0">
+                <a:solidFill>
+                  <a:schemeClr val="bg1"/>
+                </a:solidFill>
+                <a:latin typeface="Rockwell" panose="02060603020205020403" pitchFamily="18" charset="0"/>
+              </a:rPr>
+              <a:t>C# és WPF (.NET 8.0)</a:t>
+            </a:r>
+          </a:p>
+          <a:p>
+            <a:pPr marL="742950" indent="-742950">
+              <a:buFont typeface="Arial" panose="020B0604020202020204" pitchFamily="34" charset="0"/>
+              <a:buChar char="•"/>
+            </a:pPr>
+            <a:endParaRPr lang="hu-HU" sz="4000" dirty="0">
+              <a:solidFill>
+                <a:schemeClr val="bg1"/>
+              </a:solidFill>
+              <a:latin typeface="Rockwell" panose="02060603020205020403" pitchFamily="18" charset="0"/>
+            </a:endParaRPr>
+          </a:p>
+          <a:p>
+            <a:pPr marL="742950" indent="-742950">
+              <a:buFont typeface="Arial" panose="020B0604020202020204" pitchFamily="34" charset="0"/>
+              <a:buChar char="•"/>
+            </a:pPr>
+            <a:r>
+              <a:rPr lang="hu-HU" sz="4000" dirty="0">
+                <a:solidFill>
+                  <a:schemeClr val="bg1"/>
+                </a:solidFill>
+                <a:latin typeface="Rockwell" panose="02060603020205020403" pitchFamily="18" charset="0"/>
+              </a:rPr>
+              <a:t>GitHub a fájlmegosztáshoz</a:t>
+            </a:r>
+          </a:p>
+          <a:p>
+            <a:pPr marL="742950" indent="-742950">
+              <a:buFont typeface="Arial" panose="020B0604020202020204" pitchFamily="34" charset="0"/>
+              <a:buChar char="•"/>
+            </a:pPr>
+            <a:endParaRPr lang="hu-HU" sz="4000" dirty="0">
+              <a:solidFill>
+                <a:schemeClr val="bg1"/>
+              </a:solidFill>
+              <a:latin typeface="Rockwell" panose="02060603020205020403" pitchFamily="18" charset="0"/>
+            </a:endParaRPr>
+          </a:p>
+          <a:p>
+            <a:pPr marL="742950" indent="-742950">
+              <a:buFont typeface="Arial" panose="020B0604020202020204" pitchFamily="34" charset="0"/>
+              <a:buChar char="•"/>
+            </a:pPr>
+            <a:r>
+              <a:rPr lang="hu-HU" sz="4000" dirty="0">
+                <a:solidFill>
+                  <a:schemeClr val="bg1"/>
+                </a:solidFill>
+                <a:latin typeface="Rockwell" panose="02060603020205020403" pitchFamily="18" charset="0"/>
+              </a:rPr>
+              <a:t>JSON a fájlkezeléshez</a:t>
             </a:r>
           </a:p>
         </p:txBody>
@@ -4809,36 +5162,6 @@
           </a:p>
         </p:txBody>
       </p:sp>
-      <p:pic>
-        <p:nvPicPr>
-          <p:cNvPr id="4" name="Kép 3" descr="Fájl:Tetris logo.png – Wikipédia">
-            <a:extLst>
-              <a:ext uri="{FF2B5EF4-FFF2-40B4-BE49-F238E27FC236}">
-                <a16:creationId xmlns:a16="http://schemas.microsoft.com/office/drawing/2014/main" id="{0B79540D-D818-1BC7-E205-3DB0F35C2448}"/>
-              </a:ext>
-            </a:extLst>
-          </p:cNvPr>
-          <p:cNvPicPr>
-            <a:picLocks noChangeAspect="1"/>
-          </p:cNvPicPr>
-          <p:nvPr/>
-        </p:nvPicPr>
-        <p:blipFill>
-          <a:blip r:embed="rId3"/>
-          <a:stretch>
-            <a:fillRect/>
-          </a:stretch>
-        </p:blipFill>
-        <p:spPr>
-          <a:xfrm>
-            <a:off x="274320" y="2009750"/>
-            <a:ext cx="2743199" cy="1903780"/>
-          </a:xfrm>
-          <a:prstGeom prst="rect">
-            <a:avLst/>
-          </a:prstGeom>
-        </p:spPr>
-      </p:pic>
     </p:spTree>
     <p:extLst>
       <p:ext uri="{BB962C8B-B14F-4D97-AF65-F5344CB8AC3E}">
@@ -4849,100 +5172,9 @@
   <p:clrMapOvr>
     <a:masterClrMapping/>
   </p:clrMapOvr>
-  <mc:AlternateContent xmlns:mc="http://schemas.openxmlformats.org/markup-compatibility/2006">
-    <mc:Choice xmlns:p14="http://schemas.microsoft.com/office/powerpoint/2010/main" Requires="p14">
-      <p:transition p14:dur="0"/>
-    </mc:Choice>
-    <mc:Fallback>
-      <p:transition/>
-    </mc:Fallback>
-  </mc:AlternateContent>
-  <p:timing>
-    <p:tnLst>
-      <p:par>
-        <p:cTn id="1" dur="indefinite" restart="never" nodeType="tmRoot">
-          <p:childTnLst>
-            <p:seq concurrent="1" nextAc="seek">
-              <p:cTn id="2" dur="indefinite" nodeType="mainSeq">
-                <p:childTnLst>
-                  <p:par>
-                    <p:cTn id="3" fill="hold">
-                      <p:stCondLst>
-                        <p:cond delay="indefinite"/>
-                      </p:stCondLst>
-                      <p:childTnLst>
-                        <p:par>
-                          <p:cTn id="4" fill="hold">
-                            <p:stCondLst>
-                              <p:cond delay="0"/>
-                            </p:stCondLst>
-                            <p:childTnLst>
-                              <p:par>
-                                <p:cTn id="5" presetID="10" presetClass="entr" presetSubtype="0" fill="hold" grpId="0" nodeType="clickEffect">
-                                  <p:stCondLst>
-                                    <p:cond delay="0"/>
-                                  </p:stCondLst>
-                                  <p:childTnLst>
-                                    <p:set>
-                                      <p:cBhvr>
-                                        <p:cTn id="6" dur="1" fill="hold">
-                                          <p:stCondLst>
-                                            <p:cond delay="0"/>
-                                          </p:stCondLst>
-                                        </p:cTn>
-                                        <p:tgtEl>
-                                          <p:spTgt spid="5"/>
-                                        </p:tgtEl>
-                                        <p:attrNameLst>
-                                          <p:attrName>style.visibility</p:attrName>
-                                        </p:attrNameLst>
-                                      </p:cBhvr>
-                                      <p:to>
-                                        <p:strVal val="visible"/>
-                                      </p:to>
-                                    </p:set>
-                                    <p:animEffect transition="in" filter="fade">
-                                      <p:cBhvr>
-                                        <p:cTn id="7" dur="500"/>
-                                        <p:tgtEl>
-                                          <p:spTgt spid="5"/>
-                                        </p:tgtEl>
-                                      </p:cBhvr>
-                                    </p:animEffect>
-                                  </p:childTnLst>
-                                </p:cTn>
-                              </p:par>
-                            </p:childTnLst>
-                          </p:cTn>
-                        </p:par>
-                      </p:childTnLst>
-                    </p:cTn>
-                  </p:par>
-                </p:childTnLst>
-              </p:cTn>
-              <p:prevCondLst>
-                <p:cond evt="onPrev" delay="0">
-                  <p:tgtEl>
-                    <p:sldTgt/>
-                  </p:tgtEl>
-                </p:cond>
-              </p:prevCondLst>
-              <p:nextCondLst>
-                <p:cond evt="onNext" delay="0">
-                  <p:tgtEl>
-                    <p:sldTgt/>
-                  </p:tgtEl>
-                </p:cond>
-              </p:nextCondLst>
-            </p:seq>
-          </p:childTnLst>
-        </p:cTn>
-      </p:par>
-    </p:tnLst>
-    <p:bldLst>
-      <p:bldP spid="5" grpId="0"/>
-    </p:bldLst>
-  </p:timing>
+  <p:transition spd="slow">
+    <p:push dir="u"/>
+  </p:transition>
 </p:sld>
 </file>
 
@@ -5109,8 +5341,8 @@
         </p:nvSpPr>
         <p:spPr>
           <a:xfrm>
-            <a:off x="838200" y="117245"/>
-            <a:ext cx="10515600" cy="1325563"/>
+            <a:off x="190893" y="93494"/>
+            <a:ext cx="2675395" cy="1325563"/>
           </a:xfrm>
         </p:spPr>
         <p:txBody>
@@ -5123,7 +5355,7 @@
                   <a:schemeClr val="bg1"/>
                 </a:solidFill>
               </a:rPr>
-              <a:t>Kód</a:t>
+              <a:t>Tervezési folyamat</a:t>
             </a:r>
           </a:p>
         </p:txBody>
@@ -5182,6 +5414,145 @@
           </a:p>
         </p:txBody>
       </p:sp>
+      <p:sp>
+        <p:nvSpPr>
+          <p:cNvPr id="3" name="Téglalap 2">
+            <a:extLst>
+              <a:ext uri="{FF2B5EF4-FFF2-40B4-BE49-F238E27FC236}">
+                <a16:creationId xmlns:a16="http://schemas.microsoft.com/office/drawing/2014/main" id="{F433FDF3-F8BA-4E59-BB63-D6D05B85DD09}"/>
+              </a:ext>
+            </a:extLst>
+          </p:cNvPr>
+          <p:cNvSpPr/>
+          <p:nvPr/>
+        </p:nvSpPr>
+        <p:spPr>
+          <a:xfrm>
+            <a:off x="5209450" y="666256"/>
+            <a:ext cx="6130636" cy="4031873"/>
+          </a:xfrm>
+          <a:prstGeom prst="rect">
+            <a:avLst/>
+          </a:prstGeom>
+        </p:spPr>
+        <p:txBody>
+          <a:bodyPr wrap="square">
+            <a:spAutoFit/>
+          </a:bodyPr>
+          <a:lstStyle/>
+          <a:p>
+            <a:pPr marL="457200" indent="-457200">
+              <a:buFont typeface="Arial" panose="020B0604020202020204" pitchFamily="34" charset="0"/>
+              <a:buChar char="•"/>
+            </a:pPr>
+            <a:r>
+              <a:rPr lang="hu-HU" sz="3200" dirty="0">
+                <a:solidFill>
+                  <a:schemeClr val="bg1"/>
+                </a:solidFill>
+                <a:latin typeface="Rockwell" panose="02060603020205020403" pitchFamily="18" charset="0"/>
+              </a:rPr>
+              <a:t>Alapmechanika megtervezése</a:t>
+            </a:r>
+          </a:p>
+          <a:p>
+            <a:pPr marL="457200" indent="-457200">
+              <a:buFont typeface="Arial" panose="020B0604020202020204" pitchFamily="34" charset="0"/>
+              <a:buChar char="•"/>
+            </a:pPr>
+            <a:r>
+              <a:rPr lang="hu-HU" sz="3200" dirty="0">
+                <a:solidFill>
+                  <a:schemeClr val="bg1"/>
+                </a:solidFill>
+                <a:latin typeface="Rockwell" panose="02060603020205020403" pitchFamily="18" charset="0"/>
+              </a:rPr>
+              <a:t>UI elemek és menürendszer megtervezése</a:t>
+            </a:r>
+          </a:p>
+          <a:p>
+            <a:pPr marL="457200" indent="-457200">
+              <a:buFont typeface="Arial" panose="020B0604020202020204" pitchFamily="34" charset="0"/>
+              <a:buChar char="•"/>
+            </a:pPr>
+            <a:r>
+              <a:rPr lang="hu-HU" sz="3200" dirty="0">
+                <a:solidFill>
+                  <a:schemeClr val="bg1"/>
+                </a:solidFill>
+                <a:latin typeface="Rockwell" panose="02060603020205020403" pitchFamily="18" charset="0"/>
+              </a:rPr>
+              <a:t>Objektumorientáltság megtervezése</a:t>
+            </a:r>
+          </a:p>
+          <a:p>
+            <a:pPr marL="457200" indent="-457200">
+              <a:buFont typeface="Arial" panose="020B0604020202020204" pitchFamily="34" charset="0"/>
+              <a:buChar char="•"/>
+            </a:pPr>
+            <a:r>
+              <a:rPr lang="hu-HU" sz="3200" dirty="0">
+                <a:solidFill>
+                  <a:schemeClr val="bg1"/>
+                </a:solidFill>
+                <a:latin typeface="Rockwell" panose="02060603020205020403" pitchFamily="18" charset="0"/>
+              </a:rPr>
+              <a:t>Extra funkciók: „Hold”, </a:t>
+            </a:r>
+            <a:r>
+              <a:rPr lang="hu-HU" sz="3200" dirty="0" err="1">
+                <a:solidFill>
+                  <a:schemeClr val="bg1"/>
+                </a:solidFill>
+                <a:latin typeface="Rockwell" panose="02060603020205020403" pitchFamily="18" charset="0"/>
+              </a:rPr>
+              <a:t>scoreboard</a:t>
+            </a:r>
+            <a:endParaRPr lang="hu-HU" sz="3200" dirty="0">
+              <a:solidFill>
+                <a:schemeClr val="bg1"/>
+              </a:solidFill>
+              <a:latin typeface="Rockwell" panose="02060603020205020403" pitchFamily="18" charset="0"/>
+            </a:endParaRPr>
+          </a:p>
+        </p:txBody>
+      </p:sp>
+      <p:pic>
+        <p:nvPicPr>
+          <p:cNvPr id="8" name="Kép 7">
+            <a:extLst>
+              <a:ext uri="{FF2B5EF4-FFF2-40B4-BE49-F238E27FC236}">
+                <a16:creationId xmlns:a16="http://schemas.microsoft.com/office/drawing/2014/main" id="{4649F7DF-4371-4FCD-976F-E90A1F933641}"/>
+              </a:ext>
+            </a:extLst>
+          </p:cNvPr>
+          <p:cNvPicPr>
+            <a:picLocks noChangeAspect="1"/>
+          </p:cNvPicPr>
+          <p:nvPr/>
+        </p:nvPicPr>
+        <p:blipFill>
+          <a:blip r:embed="rId3">
+            <a:extLst>
+              <a:ext uri="{28A0092B-C50C-407E-A947-70E740481C1C}">
+                <a14:useLocalDpi xmlns:a14="http://schemas.microsoft.com/office/drawing/2010/main" val="0"/>
+              </a:ext>
+            </a:extLst>
+          </a:blip>
+          <a:stretch>
+            <a:fillRect/>
+          </a:stretch>
+        </p:blipFill>
+        <p:spPr>
+          <a:xfrm>
+            <a:off x="187014" y="2246850"/>
+            <a:ext cx="5022436" cy="2363037"/>
+          </a:xfrm>
+          <a:prstGeom prst="rect">
+            <a:avLst/>
+          </a:prstGeom>
+        </p:spPr>
+      </p:pic>
     </p:spTree>
     <p:extLst>
       <p:ext uri="{BB962C8B-B14F-4D97-AF65-F5344CB8AC3E}">
@@ -5361,19 +5732,22 @@
         </p:nvSpPr>
         <p:spPr>
           <a:xfrm>
-            <a:off x="838200" y="117245"/>
-            <a:ext cx="10515600" cy="1325563"/>
+            <a:off x="203664" y="117244"/>
+            <a:ext cx="2831275" cy="1325563"/>
           </a:xfrm>
         </p:spPr>
         <p:txBody>
           <a:bodyPr/>
           <a:lstStyle/>
           <a:p>
-            <a:endParaRPr lang="hu-HU" dirty="0">
-              <a:solidFill>
-                <a:schemeClr val="bg1"/>
-              </a:solidFill>
-            </a:endParaRPr>
+            <a:r>
+              <a:rPr lang="hu-HU" dirty="0">
+                <a:solidFill>
+                  <a:schemeClr val="bg1"/>
+                </a:solidFill>
+              </a:rPr>
+              <a:t>Játékmenet és funkciók</a:t>
+            </a:r>
           </a:p>
         </p:txBody>
       </p:sp>
@@ -5431,6 +5805,160 @@
           </a:p>
         </p:txBody>
       </p:sp>
+      <p:sp>
+        <p:nvSpPr>
+          <p:cNvPr id="3" name="Téglalap 2">
+            <a:extLst>
+              <a:ext uri="{FF2B5EF4-FFF2-40B4-BE49-F238E27FC236}">
+                <a16:creationId xmlns:a16="http://schemas.microsoft.com/office/drawing/2014/main" id="{DD83C63E-95FE-4B9E-BD79-7D098F340D21}"/>
+              </a:ext>
+            </a:extLst>
+          </p:cNvPr>
+          <p:cNvSpPr/>
+          <p:nvPr/>
+        </p:nvSpPr>
+        <p:spPr>
+          <a:xfrm>
+            <a:off x="4711143" y="319124"/>
+            <a:ext cx="6096000" cy="5632311"/>
+          </a:xfrm>
+          <a:prstGeom prst="rect">
+            <a:avLst/>
+          </a:prstGeom>
+        </p:spPr>
+        <p:txBody>
+          <a:bodyPr>
+            <a:spAutoFit/>
+          </a:bodyPr>
+          <a:lstStyle/>
+          <a:p>
+            <a:pPr marL="457200" indent="-457200">
+              <a:buFont typeface="Arial" panose="020B0604020202020204" pitchFamily="34" charset="0"/>
+              <a:buChar char="•"/>
+            </a:pPr>
+            <a:r>
+              <a:rPr lang="hu-HU" sz="4000" dirty="0">
+                <a:solidFill>
+                  <a:schemeClr val="bg1"/>
+                </a:solidFill>
+                <a:latin typeface="Rockwell" panose="02060603020205020403" pitchFamily="18" charset="0"/>
+              </a:rPr>
+              <a:t>Különböző blokktípusok: I,T,L </a:t>
+            </a:r>
+            <a:r>
+              <a:rPr lang="hu-HU" sz="4000" dirty="0" err="1">
+                <a:solidFill>
+                  <a:schemeClr val="bg1"/>
+                </a:solidFill>
+                <a:latin typeface="Rockwell" panose="02060603020205020403" pitchFamily="18" charset="0"/>
+              </a:rPr>
+              <a:t>stb</a:t>
+            </a:r>
+            <a:endParaRPr lang="hu-HU" sz="4000" dirty="0">
+              <a:solidFill>
+                <a:schemeClr val="bg1"/>
+              </a:solidFill>
+              <a:latin typeface="Rockwell" panose="02060603020205020403" pitchFamily="18" charset="0"/>
+            </a:endParaRPr>
+          </a:p>
+          <a:p>
+            <a:pPr marL="457200" indent="-457200">
+              <a:buFont typeface="Arial" panose="020B0604020202020204" pitchFamily="34" charset="0"/>
+              <a:buChar char="•"/>
+            </a:pPr>
+            <a:r>
+              <a:rPr lang="hu-HU" sz="4000" dirty="0">
+                <a:solidFill>
+                  <a:schemeClr val="bg1"/>
+                </a:solidFill>
+                <a:latin typeface="Rockwell" panose="02060603020205020403" pitchFamily="18" charset="0"/>
+              </a:rPr>
+              <a:t>Mozgások: Forgatás, oldalirány, gyors ejtés</a:t>
+            </a:r>
+          </a:p>
+          <a:p>
+            <a:pPr marL="457200" indent="-457200">
+              <a:buFont typeface="Arial" panose="020B0604020202020204" pitchFamily="34" charset="0"/>
+              <a:buChar char="•"/>
+            </a:pPr>
+            <a:r>
+              <a:rPr lang="hu-HU" sz="4000" dirty="0">
+                <a:solidFill>
+                  <a:schemeClr val="bg1"/>
+                </a:solidFill>
+                <a:latin typeface="Rockwell" panose="02060603020205020403" pitchFamily="18" charset="0"/>
+              </a:rPr>
+              <a:t>„Hold” funkció</a:t>
+            </a:r>
+          </a:p>
+          <a:p>
+            <a:pPr marL="457200" indent="-457200">
+              <a:buFont typeface="Arial" panose="020B0604020202020204" pitchFamily="34" charset="0"/>
+              <a:buChar char="•"/>
+            </a:pPr>
+            <a:r>
+              <a:rPr lang="hu-HU" sz="4000" dirty="0">
+                <a:solidFill>
+                  <a:schemeClr val="bg1"/>
+                </a:solidFill>
+                <a:latin typeface="Rockwell" panose="02060603020205020403" pitchFamily="18" charset="0"/>
+              </a:rPr>
+              <a:t>Következő blokk megjelenítése</a:t>
+            </a:r>
+          </a:p>
+          <a:p>
+            <a:pPr marL="457200" indent="-457200">
+              <a:buFont typeface="Arial" panose="020B0604020202020204" pitchFamily="34" charset="0"/>
+              <a:buChar char="•"/>
+            </a:pPr>
+            <a:r>
+              <a:rPr lang="hu-HU" sz="4000" dirty="0">
+                <a:solidFill>
+                  <a:schemeClr val="bg1"/>
+                </a:solidFill>
+                <a:latin typeface="Rockwell" panose="02060603020205020403" pitchFamily="18" charset="0"/>
+              </a:rPr>
+              <a:t>Pontszám és játékidő kijelzése</a:t>
+            </a:r>
+          </a:p>
+        </p:txBody>
+      </p:sp>
+      <p:pic>
+        <p:nvPicPr>
+          <p:cNvPr id="8" name="Kép 7" descr="A képen képernyőkép, szöveg, diagram látható&#10;&#10;Előfordulhat, hogy a mesterséges intelligencia által létrehozott tartalom helytelen.">
+            <a:extLst>
+              <a:ext uri="{FF2B5EF4-FFF2-40B4-BE49-F238E27FC236}">
+                <a16:creationId xmlns:a16="http://schemas.microsoft.com/office/drawing/2014/main" id="{07DB0892-0B00-42F0-AF3E-07D1B33931E4}"/>
+              </a:ext>
+            </a:extLst>
+          </p:cNvPr>
+          <p:cNvPicPr>
+            <a:picLocks noChangeAspect="1"/>
+          </p:cNvPicPr>
+          <p:nvPr/>
+        </p:nvPicPr>
+        <p:blipFill>
+          <a:blip r:embed="rId3">
+            <a:extLst>
+              <a:ext uri="{28A0092B-C50C-407E-A947-70E740481C1C}">
+                <a14:useLocalDpi xmlns:a14="http://schemas.microsoft.com/office/drawing/2010/main" val="0"/>
+              </a:ext>
+            </a:extLst>
+          </a:blip>
+          <a:stretch>
+            <a:fillRect/>
+          </a:stretch>
+        </p:blipFill>
+        <p:spPr>
+          <a:xfrm>
+            <a:off x="203664" y="1560051"/>
+            <a:ext cx="4504856" cy="3906033"/>
+          </a:xfrm>
+          <a:prstGeom prst="rect">
+            <a:avLst/>
+          </a:prstGeom>
+        </p:spPr>
+      </p:pic>
     </p:spTree>
     <p:extLst>
       <p:ext uri="{BB962C8B-B14F-4D97-AF65-F5344CB8AC3E}">
@@ -5610,7 +6138,7 @@
         </p:nvSpPr>
         <p:spPr>
           <a:xfrm>
-            <a:off x="838200" y="117245"/>
+            <a:off x="146957" y="-1261"/>
             <a:ext cx="10515600" cy="1325563"/>
           </a:xfrm>
         </p:spPr>
@@ -5619,13 +6147,21 @@
           <a:lstStyle/>
           <a:p>
             <a:r>
-              <a:rPr lang="hu-HU" dirty="0">
+              <a:rPr lang="hu-HU" altLang="ko-KR" dirty="0">
                 <a:solidFill>
                   <a:schemeClr val="bg1"/>
                 </a:solidFill>
+                <a:latin typeface="Rockwell" panose="02060603020205020403" pitchFamily="18" charset="0"/>
+                <a:cs typeface="Arial" panose="020B0604020202020204" pitchFamily="34" charset="0"/>
               </a:rPr>
-              <a:t>Dizájn</a:t>
-            </a:r>
+              <a:t>UI és menürendszer</a:t>
+            </a:r>
+            <a:endParaRPr lang="hu-HU" dirty="0">
+              <a:solidFill>
+                <a:schemeClr val="bg1"/>
+              </a:solidFill>
+              <a:latin typeface="Rockwell" panose="02060603020205020403" pitchFamily="18" charset="0"/>
+            </a:endParaRPr>
           </a:p>
         </p:txBody>
       </p:sp>
@@ -5683,12 +6219,144 @@
           </a:p>
         </p:txBody>
       </p:sp>
+      <p:sp>
+        <p:nvSpPr>
+          <p:cNvPr id="5" name="Szövegdoboz 4">
+            <a:extLst>
+              <a:ext uri="{FF2B5EF4-FFF2-40B4-BE49-F238E27FC236}">
+                <a16:creationId xmlns:a16="http://schemas.microsoft.com/office/drawing/2014/main" id="{1FF74FBC-3E7B-1DF6-21A8-383E296FCE13}"/>
+              </a:ext>
+            </a:extLst>
+          </p:cNvPr>
+          <p:cNvSpPr txBox="1"/>
+          <p:nvPr/>
+        </p:nvSpPr>
+        <p:spPr>
+          <a:xfrm>
+            <a:off x="5038081" y="1324302"/>
+            <a:ext cx="4857750" cy="4247317"/>
+          </a:xfrm>
+          <a:prstGeom prst="rect">
+            <a:avLst/>
+          </a:prstGeom>
+          <a:noFill/>
+        </p:spPr>
+        <p:txBody>
+          <a:bodyPr rot="0" spcFirstLastPara="0" vertOverflow="overflow" horzOverflow="overflow" vert="horz" wrap="square" lIns="91440" tIns="45720" rIns="91440" bIns="45720" numCol="1" spcCol="0" rtlCol="0" fromWordArt="0" anchor="t" anchorCtr="0" forceAA="0" compatLnSpc="1">
+            <a:prstTxWarp prst="textNoShape">
+              <a:avLst/>
+            </a:prstTxWarp>
+            <a:spAutoFit/>
+          </a:bodyPr>
+          <a:lstStyle/>
+          <a:p>
+            <a:pPr marL="457200" indent="-457200">
+              <a:buFont typeface="Arial" panose="020B0604020202020204" pitchFamily="34" charset="0"/>
+              <a:buChar char="•"/>
+            </a:pPr>
+            <a:r>
+              <a:rPr lang="hu-HU" sz="3600" dirty="0" err="1">
+                <a:solidFill>
+                  <a:schemeClr val="bg1"/>
+                </a:solidFill>
+                <a:latin typeface="Rockwell" panose="02060603020205020403" pitchFamily="18" charset="0"/>
+              </a:rPr>
+              <a:t>Főmenü</a:t>
+            </a:r>
+            <a:r>
+              <a:rPr lang="hu-HU" sz="3600" dirty="0">
+                <a:solidFill>
+                  <a:schemeClr val="bg1"/>
+                </a:solidFill>
+                <a:latin typeface="Rockwell" panose="02060603020205020403" pitchFamily="18" charset="0"/>
+              </a:rPr>
+              <a:t>: Indítás, kilépés, </a:t>
+            </a:r>
+            <a:r>
+              <a:rPr lang="hu-HU" sz="3600" dirty="0" err="1">
+                <a:solidFill>
+                  <a:schemeClr val="bg1"/>
+                </a:solidFill>
+                <a:latin typeface="Rockwell" panose="02060603020205020403" pitchFamily="18" charset="0"/>
+              </a:rPr>
+              <a:t>scoreboard</a:t>
+            </a:r>
+            <a:endParaRPr lang="hu-HU" sz="3600" dirty="0">
+              <a:solidFill>
+                <a:schemeClr val="bg1"/>
+              </a:solidFill>
+              <a:latin typeface="Rockwell" panose="02060603020205020403" pitchFamily="18" charset="0"/>
+            </a:endParaRPr>
+          </a:p>
+          <a:p>
+            <a:pPr marL="457200" indent="-457200">
+              <a:buFont typeface="Arial" panose="020B0604020202020204" pitchFamily="34" charset="0"/>
+              <a:buChar char="•"/>
+            </a:pPr>
+            <a:r>
+              <a:rPr lang="hu-HU" sz="3600" dirty="0">
+                <a:solidFill>
+                  <a:schemeClr val="bg1"/>
+                </a:solidFill>
+                <a:latin typeface="Rockwell" panose="02060603020205020403" pitchFamily="18" charset="0"/>
+              </a:rPr>
+              <a:t>Játék közbeni elemek</a:t>
+            </a:r>
+          </a:p>
+          <a:p>
+            <a:pPr marL="457200" indent="-457200">
+              <a:buFont typeface="Arial" panose="020B0604020202020204" pitchFamily="34" charset="0"/>
+              <a:buChar char="•"/>
+            </a:pPr>
+            <a:r>
+              <a:rPr lang="hu-HU" sz="3600" dirty="0" err="1">
+                <a:solidFill>
+                  <a:schemeClr val="bg1"/>
+                </a:solidFill>
+                <a:latin typeface="Rockwell" panose="02060603020205020403" pitchFamily="18" charset="0"/>
+              </a:rPr>
+              <a:t>Scoreboard</a:t>
+            </a:r>
+            <a:r>
+              <a:rPr lang="hu-HU" sz="3600" dirty="0">
+                <a:solidFill>
+                  <a:schemeClr val="bg1"/>
+                </a:solidFill>
+                <a:latin typeface="Rockwell" panose="02060603020205020403" pitchFamily="18" charset="0"/>
+              </a:rPr>
+              <a:t> mentés és megjelenítés</a:t>
+            </a:r>
+          </a:p>
+          <a:p>
+            <a:pPr marL="457200" indent="-457200">
+              <a:buFont typeface="Arial" panose="020B0604020202020204" pitchFamily="34" charset="0"/>
+              <a:buChar char="•"/>
+            </a:pPr>
+            <a:r>
+              <a:rPr lang="hu-HU" sz="3600" dirty="0">
+                <a:solidFill>
+                  <a:schemeClr val="bg1"/>
+                </a:solidFill>
+                <a:latin typeface="Rockwell" panose="02060603020205020403" pitchFamily="18" charset="0"/>
+              </a:rPr>
+              <a:t>Játék vége menü</a:t>
+            </a:r>
+          </a:p>
+          <a:p>
+            <a:endParaRPr lang="hu-HU" dirty="0">
+              <a:solidFill>
+                <a:schemeClr val="bg1"/>
+              </a:solidFill>
+            </a:endParaRPr>
+          </a:p>
+        </p:txBody>
+      </p:sp>
       <p:pic>
         <p:nvPicPr>
-          <p:cNvPr id="3" name="Kép 2" descr="A képen Türkiz, képernyőkép, Kékeszöld, víz látható&#10;&#10;Lehet, hogy a mesterséges intelligencia által generált tartalom helytelen.">
+          <p:cNvPr id="10" name="Kép 9" descr="A képen szöveg, képernyőkép, Betűtípus, sor látható&#10;&#10;Előfordulhat, hogy a mesterséges intelligencia által létrehozott tartalom helytelen.">
             <a:extLst>
               <a:ext uri="{FF2B5EF4-FFF2-40B4-BE49-F238E27FC236}">
-                <a16:creationId xmlns:a16="http://schemas.microsoft.com/office/drawing/2014/main" id="{541A1752-D464-6D06-D13D-21F98EA18DF1}"/>
+                <a16:creationId xmlns:a16="http://schemas.microsoft.com/office/drawing/2014/main" id="{BD5F8AE0-29F2-45D9-8D8D-A4D4FEE71316}"/>
               </a:ext>
             </a:extLst>
           </p:cNvPr>
@@ -5698,15 +6366,21 @@
           <p:nvPr/>
         </p:nvPicPr>
         <p:blipFill>
-          <a:blip r:embed="rId3"/>
+          <a:blip r:embed="rId3">
+            <a:extLst>
+              <a:ext uri="{28A0092B-C50C-407E-A947-70E740481C1C}">
+                <a14:useLocalDpi xmlns:a14="http://schemas.microsoft.com/office/drawing/2010/main" val="0"/>
+              </a:ext>
+            </a:extLst>
+          </a:blip>
           <a:stretch>
             <a:fillRect/>
           </a:stretch>
         </p:blipFill>
         <p:spPr>
           <a:xfrm>
-            <a:off x="1034143" y="2024743"/>
-            <a:ext cx="1219200" cy="1219200"/>
+            <a:off x="146957" y="1447989"/>
+            <a:ext cx="4578089" cy="1485118"/>
           </a:xfrm>
           <a:prstGeom prst="rect">
             <a:avLst/>
@@ -5715,10 +6389,10 @@
       </p:pic>
       <p:pic>
         <p:nvPicPr>
-          <p:cNvPr id="4" name="Kép 3" descr="A képen tér, sárga, képernyőkép, Téglalap látható&#10;&#10;Lehet, hogy a mesterséges intelligencia által generált tartalom helytelen.">
+          <p:cNvPr id="11" name="Kép 10" descr="A képen szöveg, képernyőkép, Betűtípus, Grafika látható&#10;&#10;Előfordulhat, hogy a mesterséges intelligencia által létrehozott tartalom helytelen.">
             <a:extLst>
               <a:ext uri="{FF2B5EF4-FFF2-40B4-BE49-F238E27FC236}">
-                <a16:creationId xmlns:a16="http://schemas.microsoft.com/office/drawing/2014/main" id="{6CCD53D0-253B-DBF7-5009-3D172929E2B3}"/>
+                <a16:creationId xmlns:a16="http://schemas.microsoft.com/office/drawing/2014/main" id="{D70E1BFA-57E4-4CF5-850A-BDF15B144D27}"/>
               </a:ext>
             </a:extLst>
           </p:cNvPr>
@@ -5728,63 +6402,27 @@
           <p:nvPr/>
         </p:nvPicPr>
         <p:blipFill>
-          <a:blip r:embed="rId4"/>
+          <a:blip r:embed="rId4">
+            <a:extLst>
+              <a:ext uri="{28A0092B-C50C-407E-A947-70E740481C1C}">
+                <a14:useLocalDpi xmlns:a14="http://schemas.microsoft.com/office/drawing/2010/main" val="0"/>
+              </a:ext>
+            </a:extLst>
+          </a:blip>
           <a:stretch>
             <a:fillRect/>
           </a:stretch>
         </p:blipFill>
         <p:spPr>
           <a:xfrm>
-            <a:off x="9285514" y="1262743"/>
-            <a:ext cx="2754086" cy="2754086"/>
+            <a:off x="609703" y="3309419"/>
+            <a:ext cx="3581900" cy="3172268"/>
           </a:xfrm>
           <a:prstGeom prst="rect">
             <a:avLst/>
           </a:prstGeom>
         </p:spPr>
       </p:pic>
-      <p:sp>
-        <p:nvSpPr>
-          <p:cNvPr id="5" name="Szövegdoboz 4">
-            <a:extLst>
-              <a:ext uri="{FF2B5EF4-FFF2-40B4-BE49-F238E27FC236}">
-                <a16:creationId xmlns:a16="http://schemas.microsoft.com/office/drawing/2014/main" id="{1FF74FBC-3E7B-1DF6-21A8-383E296FCE13}"/>
-              </a:ext>
-            </a:extLst>
-          </p:cNvPr>
-          <p:cNvSpPr txBox="1"/>
-          <p:nvPr/>
-        </p:nvSpPr>
-        <p:spPr>
-          <a:xfrm>
-            <a:off x="3483428" y="1183821"/>
-            <a:ext cx="4857750" cy="646331"/>
-          </a:xfrm>
-          <a:prstGeom prst="rect">
-            <a:avLst/>
-          </a:prstGeom>
-          <a:noFill/>
-        </p:spPr>
-        <p:txBody>
-          <a:bodyPr rot="0" spcFirstLastPara="0" vertOverflow="overflow" horzOverflow="overflow" vert="horz" wrap="square" lIns="91440" tIns="45720" rIns="91440" bIns="45720" numCol="1" spcCol="0" rtlCol="0" fromWordArt="0" anchor="t" anchorCtr="0" forceAA="0" compatLnSpc="1">
-            <a:prstTxWarp prst="textNoShape">
-              <a:avLst/>
-            </a:prstTxWarp>
-            <a:spAutoFit/>
-          </a:bodyPr>
-          <a:lstStyle/>
-          <a:p>
-            <a:r>
-              <a:rPr lang="hu-HU" dirty="0">
-                <a:solidFill>
-                  <a:schemeClr val="bg1"/>
-                </a:solidFill>
-              </a:rPr>
-              <a:t> a funkciójukról lehetne valamit mondani hogy van össze kötve a kóddal mondjuk</a:t>
-            </a:r>
-          </a:p>
-        </p:txBody>
-      </p:sp>
     </p:spTree>
     <p:extLst>
       <p:ext uri="{BB962C8B-B14F-4D97-AF65-F5344CB8AC3E}">
@@ -5969,25 +6607,29 @@
           </a:xfrm>
         </p:spPr>
         <p:txBody>
-          <a:bodyPr/>
-          <a:lstStyle/>
-          <a:p>
-            <a:r>
-              <a:rPr lang="hu-HU" dirty="0">
+          <a:bodyPr>
+            <a:normAutofit/>
+          </a:bodyPr>
+          <a:lstStyle/>
+          <a:p>
+            <a:pPr algn="ctr"/>
+            <a:r>
+              <a:rPr lang="hu-HU" altLang="ko-KR" sz="4800" dirty="0">
                 <a:solidFill>
                   <a:schemeClr val="bg1"/>
                 </a:solidFill>
+                <a:latin typeface="Rockwell" panose="02060603020205020403" pitchFamily="18" charset="0"/>
+                <a:cs typeface="Arial" panose="020B0604020202020204" pitchFamily="34" charset="0"/>
               </a:rPr>
-              <a:t>Videó a játékról ahogy </a:t>
-            </a:r>
-            <a:r>
-              <a:rPr lang="hu-HU" dirty="0" err="1">
-                <a:solidFill>
-                  <a:schemeClr val="bg1"/>
-                </a:solidFill>
-              </a:rPr>
-              <a:t>müködik</a:t>
-            </a:r>
+              <a:t>Fejlesztési folyamat</a:t>
+            </a:r>
+            <a:endParaRPr lang="ko-KR" altLang="en-US" sz="4800" dirty="0">
+              <a:solidFill>
+                <a:schemeClr val="bg1"/>
+              </a:solidFill>
+              <a:latin typeface="Rockwell" panose="02060603020205020403" pitchFamily="18" charset="0"/>
+              <a:cs typeface="Arial" panose="020B0604020202020204" pitchFamily="34" charset="0"/>
+            </a:endParaRPr>
           </a:p>
         </p:txBody>
       </p:sp>
@@ -6042,6 +6684,105 @@
           <a:p>
             <a:pPr algn="ctr"/>
             <a:endParaRPr lang="hu-HU"/>
+          </a:p>
+        </p:txBody>
+      </p:sp>
+      <p:sp>
+        <p:nvSpPr>
+          <p:cNvPr id="7" name="Szövegdoboz 6">
+            <a:extLst>
+              <a:ext uri="{FF2B5EF4-FFF2-40B4-BE49-F238E27FC236}">
+                <a16:creationId xmlns:a16="http://schemas.microsoft.com/office/drawing/2014/main" id="{0595F64A-FF50-4C02-80A7-22B704DBDA80}"/>
+              </a:ext>
+            </a:extLst>
+          </p:cNvPr>
+          <p:cNvSpPr txBox="1"/>
+          <p:nvPr/>
+        </p:nvSpPr>
+        <p:spPr>
+          <a:xfrm>
+            <a:off x="2229828" y="1560053"/>
+            <a:ext cx="7959240" cy="4401205"/>
+          </a:xfrm>
+          <a:prstGeom prst="rect">
+            <a:avLst/>
+          </a:prstGeom>
+          <a:noFill/>
+        </p:spPr>
+        <p:txBody>
+          <a:bodyPr wrap="square">
+            <a:spAutoFit/>
+          </a:bodyPr>
+          <a:lstStyle/>
+          <a:p>
+            <a:pPr marL="457200" indent="-457200">
+              <a:buFont typeface="Arial" panose="020B0604020202020204" pitchFamily="34" charset="0"/>
+              <a:buChar char="•"/>
+            </a:pPr>
+            <a:r>
+              <a:rPr lang="hu-HU" sz="4000" dirty="0">
+                <a:solidFill>
+                  <a:schemeClr val="bg1"/>
+                </a:solidFill>
+                <a:latin typeface="Rockwell" panose="02060603020205020403" pitchFamily="18" charset="0"/>
+              </a:rPr>
+              <a:t>Alapjáték működésének leprogramozása</a:t>
+            </a:r>
+          </a:p>
+          <a:p>
+            <a:pPr marL="457200" indent="-457200">
+              <a:buFont typeface="Arial" panose="020B0604020202020204" pitchFamily="34" charset="0"/>
+              <a:buChar char="•"/>
+            </a:pPr>
+            <a:r>
+              <a:rPr lang="hu-HU" sz="4000" dirty="0">
+                <a:solidFill>
+                  <a:schemeClr val="bg1"/>
+                </a:solidFill>
+                <a:latin typeface="Rockwell" panose="02060603020205020403" pitchFamily="18" charset="0"/>
+              </a:rPr>
+              <a:t>UI és menürendszer integrálása</a:t>
+            </a:r>
+          </a:p>
+          <a:p>
+            <a:pPr marL="457200" indent="-457200">
+              <a:buFont typeface="Arial" panose="020B0604020202020204" pitchFamily="34" charset="0"/>
+              <a:buChar char="•"/>
+            </a:pPr>
+            <a:r>
+              <a:rPr lang="hu-HU" sz="4000" dirty="0">
+                <a:solidFill>
+                  <a:schemeClr val="bg1"/>
+                </a:solidFill>
+                <a:latin typeface="Rockwell" panose="02060603020205020403" pitchFamily="18" charset="0"/>
+              </a:rPr>
+              <a:t>JSON fájlkezelés a </a:t>
+            </a:r>
+            <a:r>
+              <a:rPr lang="hu-HU" sz="4000" dirty="0" err="1">
+                <a:solidFill>
+                  <a:schemeClr val="bg1"/>
+                </a:solidFill>
+                <a:latin typeface="Rockwell" panose="02060603020205020403" pitchFamily="18" charset="0"/>
+              </a:rPr>
+              <a:t>scoreboard</a:t>
+            </a:r>
+            <a:r>
+              <a:rPr lang="hu-HU" sz="4000" dirty="0">
+                <a:solidFill>
+                  <a:schemeClr val="bg1"/>
+                </a:solidFill>
+                <a:latin typeface="Rockwell" panose="02060603020205020403" pitchFamily="18" charset="0"/>
+              </a:rPr>
+              <a:t> számára</a:t>
+            </a:r>
+          </a:p>
+          <a:p>
+            <a:pPr marL="457200" indent="-457200">
+              <a:buFont typeface="Arial" panose="020B0604020202020204" pitchFamily="34" charset="0"/>
+              <a:buChar char="•"/>
+            </a:pPr>
+            <a:endParaRPr lang="hu-HU" sz="4000" dirty="0"/>
           </a:p>
         </p:txBody>
       </p:sp>
